--- a/AA/gpu/GEM5/PPT/Gem5-GPU_5.pptx
+++ b/AA/gpu/GEM5/PPT/Gem5-GPU_5.pptx
@@ -5,7 +5,7 @@
     <p:sldMasterId id="2147483648" r:id="rId1"/>
   </p:sldMasterIdLst>
   <p:notesMasterIdLst>
-    <p:notesMasterId r:id="rId13"/>
+    <p:notesMasterId r:id="rId11"/>
   </p:notesMasterIdLst>
   <p:sldIdLst>
     <p:sldId id="693" r:id="rId2"/>
@@ -17,13 +17,11 @@
     <p:sldId id="898" r:id="rId8"/>
     <p:sldId id="899" r:id="rId9"/>
     <p:sldId id="901" r:id="rId10"/>
-    <p:sldId id="892" r:id="rId11"/>
-    <p:sldId id="900" r:id="rId12"/>
   </p:sldIdLst>
   <p:sldSz cx="12192000" cy="6858000"/>
   <p:notesSz cx="6858000" cy="9144000"/>
   <p:custDataLst>
-    <p:tags r:id="rId14"/>
+    <p:tags r:id="rId12"/>
   </p:custDataLst>
   <p:defaultTextStyle>
     <a:defPPr>
@@ -221,7 +219,7 @@
           <a:p>
             <a:fld id="{13C0E984-87FA-4EDC-9369-DD4CB28A5F20}" type="datetimeFigureOut">
               <a:rPr lang="zh-CN" altLang="en-US" smtClean="0"/>
-              <a:t>2025/6/16</a:t>
+              <a:t>2025/6/17</a:t>
             </a:fld>
             <a:endParaRPr lang="zh-CN" altLang="en-US"/>
           </a:p>
@@ -591,114 +589,6 @@
 </p:notes>
 </file>
 
-<file path=ppt/notesSlides/notesSlide10.xml><?xml version="1.0" encoding="utf-8"?>
-<p:notes xmlns:a="http://schemas.openxmlformats.org/drawingml/2006/main" xmlns:r="http://schemas.openxmlformats.org/officeDocument/2006/relationships" xmlns:p="http://schemas.openxmlformats.org/presentationml/2006/main">
-  <p:cSld>
-    <p:spTree>
-      <p:nvGrpSpPr>
-        <p:cNvPr id="1" name="">
-          <a:extLst>
-            <a:ext uri="{FF2B5EF4-FFF2-40B4-BE49-F238E27FC236}">
-              <a16:creationId xmlns:a16="http://schemas.microsoft.com/office/drawing/2014/main" id="{3D533AD0-6F98-B622-1A62-912459C4AF17}"/>
-            </a:ext>
-          </a:extLst>
-        </p:cNvPr>
-        <p:cNvGrpSpPr/>
-        <p:nvPr/>
-      </p:nvGrpSpPr>
-      <p:grpSpPr>
-        <a:xfrm>
-          <a:off x="0" y="0"/>
-          <a:ext cx="0" cy="0"/>
-          <a:chOff x="0" y="0"/>
-          <a:chExt cx="0" cy="0"/>
-        </a:xfrm>
-      </p:grpSpPr>
-      <p:sp>
-        <p:nvSpPr>
-          <p:cNvPr id="2" name="幻灯片图像占位符 1">
-            <a:extLst>
-              <a:ext uri="{FF2B5EF4-FFF2-40B4-BE49-F238E27FC236}">
-                <a16:creationId xmlns:a16="http://schemas.microsoft.com/office/drawing/2014/main" id="{FBB2E781-F8F2-87BC-037A-99F00435DF27}"/>
-              </a:ext>
-            </a:extLst>
-          </p:cNvPr>
-          <p:cNvSpPr>
-            <a:spLocks noGrp="1" noRot="1" noChangeAspect="1"/>
-          </p:cNvSpPr>
-          <p:nvPr>
-            <p:ph type="sldImg"/>
-          </p:nvPr>
-        </p:nvSpPr>
-        <p:spPr/>
-      </p:sp>
-      <p:sp>
-        <p:nvSpPr>
-          <p:cNvPr id="3" name="备注占位符 2">
-            <a:extLst>
-              <a:ext uri="{FF2B5EF4-FFF2-40B4-BE49-F238E27FC236}">
-                <a16:creationId xmlns:a16="http://schemas.microsoft.com/office/drawing/2014/main" id="{E4ED732D-E1C5-4B45-C170-43589C4F20D4}"/>
-              </a:ext>
-            </a:extLst>
-          </p:cNvPr>
-          <p:cNvSpPr>
-            <a:spLocks noGrp="1"/>
-          </p:cNvSpPr>
-          <p:nvPr>
-            <p:ph type="body" idx="1"/>
-          </p:nvPr>
-        </p:nvSpPr>
-        <p:spPr/>
-        <p:txBody>
-          <a:bodyPr/>
-          <a:lstStyle/>
-          <a:p>
-            <a:endParaRPr lang="zh-CN" altLang="en-US" dirty="0"/>
-          </a:p>
-        </p:txBody>
-      </p:sp>
-      <p:sp>
-        <p:nvSpPr>
-          <p:cNvPr id="4" name="灯片编号占位符 3">
-            <a:extLst>
-              <a:ext uri="{FF2B5EF4-FFF2-40B4-BE49-F238E27FC236}">
-                <a16:creationId xmlns:a16="http://schemas.microsoft.com/office/drawing/2014/main" id="{7F49BAC1-11AA-8D30-3E1F-25F8361BFCB2}"/>
-              </a:ext>
-            </a:extLst>
-          </p:cNvPr>
-          <p:cNvSpPr>
-            <a:spLocks noGrp="1"/>
-          </p:cNvSpPr>
-          <p:nvPr>
-            <p:ph type="sldNum" sz="quarter" idx="5"/>
-          </p:nvPr>
-        </p:nvSpPr>
-        <p:spPr/>
-        <p:txBody>
-          <a:bodyPr/>
-          <a:lstStyle/>
-          <a:p>
-            <a:fld id="{602E9261-9A27-44B6-8C55-C12B787C810C}" type="slidenum">
-              <a:rPr lang="zh-CN" altLang="en-US" smtClean="0"/>
-              <a:t>11</a:t>
-            </a:fld>
-            <a:endParaRPr lang="zh-CN" altLang="en-US"/>
-          </a:p>
-        </p:txBody>
-      </p:sp>
-    </p:spTree>
-    <p:extLst>
-      <p:ext uri="{BB962C8B-B14F-4D97-AF65-F5344CB8AC3E}">
-        <p14:creationId xmlns:p14="http://schemas.microsoft.com/office/powerpoint/2010/main" val="1065472125"/>
-      </p:ext>
-    </p:extLst>
-  </p:cSld>
-  <p:clrMapOvr>
-    <a:masterClrMapping/>
-  </p:clrMapOvr>
-</p:notes>
-</file>
-
 <file path=ppt/notesSlides/notesSlide2.xml><?xml version="1.0" encoding="utf-8"?>
 <p:notes xmlns:a="http://schemas.openxmlformats.org/drawingml/2006/main" xmlns:r="http://schemas.openxmlformats.org/officeDocument/2006/relationships" xmlns:p="http://schemas.openxmlformats.org/presentationml/2006/main">
   <p:cSld>
@@ -1455,114 +1345,6 @@
 </p:notes>
 </file>
 
-<file path=ppt/notesSlides/notesSlide9.xml><?xml version="1.0" encoding="utf-8"?>
-<p:notes xmlns:a="http://schemas.openxmlformats.org/drawingml/2006/main" xmlns:r="http://schemas.openxmlformats.org/officeDocument/2006/relationships" xmlns:p="http://schemas.openxmlformats.org/presentationml/2006/main">
-  <p:cSld>
-    <p:spTree>
-      <p:nvGrpSpPr>
-        <p:cNvPr id="1" name="">
-          <a:extLst>
-            <a:ext uri="{FF2B5EF4-FFF2-40B4-BE49-F238E27FC236}">
-              <a16:creationId xmlns:a16="http://schemas.microsoft.com/office/drawing/2014/main" id="{4BB4D901-0783-0326-1B54-8EC8917CADB5}"/>
-            </a:ext>
-          </a:extLst>
-        </p:cNvPr>
-        <p:cNvGrpSpPr/>
-        <p:nvPr/>
-      </p:nvGrpSpPr>
-      <p:grpSpPr>
-        <a:xfrm>
-          <a:off x="0" y="0"/>
-          <a:ext cx="0" cy="0"/>
-          <a:chOff x="0" y="0"/>
-          <a:chExt cx="0" cy="0"/>
-        </a:xfrm>
-      </p:grpSpPr>
-      <p:sp>
-        <p:nvSpPr>
-          <p:cNvPr id="2" name="幻灯片图像占位符 1">
-            <a:extLst>
-              <a:ext uri="{FF2B5EF4-FFF2-40B4-BE49-F238E27FC236}">
-                <a16:creationId xmlns:a16="http://schemas.microsoft.com/office/drawing/2014/main" id="{42B25C64-FB6F-8ACF-25E8-3AB24536CD79}"/>
-              </a:ext>
-            </a:extLst>
-          </p:cNvPr>
-          <p:cNvSpPr>
-            <a:spLocks noGrp="1" noRot="1" noChangeAspect="1"/>
-          </p:cNvSpPr>
-          <p:nvPr>
-            <p:ph type="sldImg"/>
-          </p:nvPr>
-        </p:nvSpPr>
-        <p:spPr/>
-      </p:sp>
-      <p:sp>
-        <p:nvSpPr>
-          <p:cNvPr id="3" name="备注占位符 2">
-            <a:extLst>
-              <a:ext uri="{FF2B5EF4-FFF2-40B4-BE49-F238E27FC236}">
-                <a16:creationId xmlns:a16="http://schemas.microsoft.com/office/drawing/2014/main" id="{84250DA2-CD12-588F-D413-6AE2AD29A476}"/>
-              </a:ext>
-            </a:extLst>
-          </p:cNvPr>
-          <p:cNvSpPr>
-            <a:spLocks noGrp="1"/>
-          </p:cNvSpPr>
-          <p:nvPr>
-            <p:ph type="body" idx="1"/>
-          </p:nvPr>
-        </p:nvSpPr>
-        <p:spPr/>
-        <p:txBody>
-          <a:bodyPr/>
-          <a:lstStyle/>
-          <a:p>
-            <a:endParaRPr lang="zh-CN" altLang="en-US" dirty="0"/>
-          </a:p>
-        </p:txBody>
-      </p:sp>
-      <p:sp>
-        <p:nvSpPr>
-          <p:cNvPr id="4" name="灯片编号占位符 3">
-            <a:extLst>
-              <a:ext uri="{FF2B5EF4-FFF2-40B4-BE49-F238E27FC236}">
-                <a16:creationId xmlns:a16="http://schemas.microsoft.com/office/drawing/2014/main" id="{AC25C1AD-5160-6502-A784-9DAF046FE01B}"/>
-              </a:ext>
-            </a:extLst>
-          </p:cNvPr>
-          <p:cNvSpPr>
-            <a:spLocks noGrp="1"/>
-          </p:cNvSpPr>
-          <p:nvPr>
-            <p:ph type="sldNum" sz="quarter" idx="5"/>
-          </p:nvPr>
-        </p:nvSpPr>
-        <p:spPr/>
-        <p:txBody>
-          <a:bodyPr/>
-          <a:lstStyle/>
-          <a:p>
-            <a:fld id="{602E9261-9A27-44B6-8C55-C12B787C810C}" type="slidenum">
-              <a:rPr lang="zh-CN" altLang="en-US" smtClean="0"/>
-              <a:t>10</a:t>
-            </a:fld>
-            <a:endParaRPr lang="zh-CN" altLang="en-US"/>
-          </a:p>
-        </p:txBody>
-      </p:sp>
-    </p:spTree>
-    <p:extLst>
-      <p:ext uri="{BB962C8B-B14F-4D97-AF65-F5344CB8AC3E}">
-        <p14:creationId xmlns:p14="http://schemas.microsoft.com/office/powerpoint/2010/main" val="2927933926"/>
-      </p:ext>
-    </p:extLst>
-  </p:cSld>
-  <p:clrMapOvr>
-    <a:masterClrMapping/>
-  </p:clrMapOvr>
-</p:notes>
-</file>
-
 <file path=ppt/slideLayouts/slideLayout1.xml><?xml version="1.0" encoding="utf-8"?>
 <p:sldLayout xmlns:a="http://schemas.openxmlformats.org/drawingml/2006/main" xmlns:r="http://schemas.openxmlformats.org/officeDocument/2006/relationships" xmlns:p="http://schemas.openxmlformats.org/presentationml/2006/main" type="title" preserve="1">
   <p:cSld name="标题幻灯片">
@@ -2140,7 +1922,7 @@
           <a:p>
             <a:fld id="{167D5AC6-34AC-4EA2-A012-B11BC4470F9B}" type="datetimeFigureOut">
               <a:rPr lang="zh-CN" altLang="en-US" smtClean="0"/>
-              <a:t>2025/6/16</a:t>
+              <a:t>2025/6/17</a:t>
             </a:fld>
             <a:endParaRPr lang="zh-CN" altLang="en-US"/>
           </a:p>
@@ -3217,1646 +2999,6 @@
         </p:txBody>
       </p:sp>
     </p:spTree>
-  </p:cSld>
-  <p:clrMapOvr>
-    <a:masterClrMapping/>
-  </p:clrMapOvr>
-</p:sld>
-</file>
-
-<file path=ppt/slides/slide10.xml><?xml version="1.0" encoding="utf-8"?>
-<p:sld xmlns:a="http://schemas.openxmlformats.org/drawingml/2006/main" xmlns:r="http://schemas.openxmlformats.org/officeDocument/2006/relationships" xmlns:p="http://schemas.openxmlformats.org/presentationml/2006/main">
-  <p:cSld>
-    <p:spTree>
-      <p:nvGrpSpPr>
-        <p:cNvPr id="1" name="">
-          <a:extLst>
-            <a:ext uri="{FF2B5EF4-FFF2-40B4-BE49-F238E27FC236}">
-              <a16:creationId xmlns:a16="http://schemas.microsoft.com/office/drawing/2014/main" id="{21721900-0A86-2A68-C3A7-F482C73EA6CF}"/>
-            </a:ext>
-          </a:extLst>
-        </p:cNvPr>
-        <p:cNvGrpSpPr/>
-        <p:nvPr/>
-      </p:nvGrpSpPr>
-      <p:grpSpPr>
-        <a:xfrm>
-          <a:off x="0" y="0"/>
-          <a:ext cx="0" cy="0"/>
-          <a:chOff x="0" y="0"/>
-          <a:chExt cx="0" cy="0"/>
-        </a:xfrm>
-      </p:grpSpPr>
-      <p:pic>
-        <p:nvPicPr>
-          <p:cNvPr id="4" name="Picture 2" descr="哈工大物联网智慧校园设计方案_Lighton（来同）品牌">
-            <a:extLst>
-              <a:ext uri="{FF2B5EF4-FFF2-40B4-BE49-F238E27FC236}">
-                <a16:creationId xmlns:a16="http://schemas.microsoft.com/office/drawing/2014/main" id="{6F198D9C-AD20-CDEB-1C64-D853C0F45F97}"/>
-              </a:ext>
-            </a:extLst>
-          </p:cNvPr>
-          <p:cNvPicPr>
-            <a:picLocks noChangeAspect="1" noChangeArrowheads="1"/>
-          </p:cNvPicPr>
-          <p:nvPr/>
-        </p:nvPicPr>
-        <p:blipFill rotWithShape="1">
-          <a:blip r:embed="rId3">
-            <a:extLst>
-              <a:ext uri="{28A0092B-C50C-407E-A947-70E740481C1C}">
-                <a14:useLocalDpi xmlns:a14="http://schemas.microsoft.com/office/drawing/2010/main" val="0"/>
-              </a:ext>
-            </a:extLst>
-          </a:blip>
-          <a:srcRect l="127" t="3204" r="-127" b="6070"/>
-          <a:stretch>
-            <a:fillRect/>
-          </a:stretch>
-        </p:blipFill>
-        <p:spPr bwMode="auto">
-          <a:xfrm>
-            <a:off x="1" y="0"/>
-            <a:ext cx="12192000" cy="6858000"/>
-          </a:xfrm>
-          <a:prstGeom prst="rect">
-            <a:avLst/>
-          </a:prstGeom>
-          <a:noFill/>
-          <a:extLst>
-            <a:ext uri="{909E8E84-426E-40DD-AFC4-6F175D3DCCD1}">
-              <a14:hiddenFill xmlns:a14="http://schemas.microsoft.com/office/drawing/2010/main">
-                <a:solidFill>
-                  <a:srgbClr val="FFFFFF"/>
-                </a:solidFill>
-              </a14:hiddenFill>
-            </a:ext>
-          </a:extLst>
-        </p:spPr>
-      </p:pic>
-      <p:sp>
-        <p:nvSpPr>
-          <p:cNvPr id="5" name="矩形 4">
-            <a:extLst>
-              <a:ext uri="{FF2B5EF4-FFF2-40B4-BE49-F238E27FC236}">
-                <a16:creationId xmlns:a16="http://schemas.microsoft.com/office/drawing/2014/main" id="{3BF2B176-3504-5659-48F0-C9384FB5C810}"/>
-              </a:ext>
-            </a:extLst>
-          </p:cNvPr>
-          <p:cNvSpPr/>
-          <p:nvPr/>
-        </p:nvSpPr>
-        <p:spPr>
-          <a:xfrm>
-            <a:off x="2" y="0"/>
-            <a:ext cx="12191998" cy="6858000"/>
-          </a:xfrm>
-          <a:prstGeom prst="rect">
-            <a:avLst/>
-          </a:prstGeom>
-          <a:gradFill>
-            <a:gsLst>
-              <a:gs pos="0">
-                <a:schemeClr val="accent1">
-                  <a:lumMod val="5000"/>
-                  <a:lumOff val="95000"/>
-                  <a:alpha val="80000"/>
-                </a:schemeClr>
-              </a:gs>
-              <a:gs pos="34000">
-                <a:srgbClr val="FFFFFF">
-                  <a:alpha val="90000"/>
-                </a:srgbClr>
-              </a:gs>
-              <a:gs pos="68000">
-                <a:srgbClr val="FFFFFF">
-                  <a:alpha val="95000"/>
-                </a:srgbClr>
-              </a:gs>
-              <a:gs pos="100000">
-                <a:srgbClr val="FFFFFF"/>
-              </a:gs>
-            </a:gsLst>
-            <a:lin ang="5400000" scaled="1"/>
-          </a:gradFill>
-          <a:ln>
-            <a:noFill/>
-          </a:ln>
-        </p:spPr>
-        <p:style>
-          <a:lnRef idx="2">
-            <a:schemeClr val="accent1">
-              <a:shade val="15000"/>
-            </a:schemeClr>
-          </a:lnRef>
-          <a:fillRef idx="1">
-            <a:schemeClr val="accent1"/>
-          </a:fillRef>
-          <a:effectRef idx="0">
-            <a:schemeClr val="accent1"/>
-          </a:effectRef>
-          <a:fontRef idx="minor">
-            <a:schemeClr val="lt1"/>
-          </a:fontRef>
-        </p:style>
-        <p:txBody>
-          <a:bodyPr rtlCol="0" anchor="ctr"/>
-          <a:lstStyle/>
-          <a:p>
-            <a:pPr algn="ctr"/>
-            <a:endParaRPr lang="zh-CN" altLang="en-US" dirty="0"/>
-          </a:p>
-        </p:txBody>
-      </p:sp>
-      <p:sp>
-        <p:nvSpPr>
-          <p:cNvPr id="8" name="文本框 7">
-            <a:extLst>
-              <a:ext uri="{FF2B5EF4-FFF2-40B4-BE49-F238E27FC236}">
-                <a16:creationId xmlns:a16="http://schemas.microsoft.com/office/drawing/2014/main" id="{634D5529-FBBB-86B6-B526-7EBACDAB7346}"/>
-              </a:ext>
-            </a:extLst>
-          </p:cNvPr>
-          <p:cNvSpPr txBox="1"/>
-          <p:nvPr/>
-        </p:nvSpPr>
-        <p:spPr>
-          <a:xfrm>
-            <a:off x="740226" y="1173368"/>
-            <a:ext cx="10896599" cy="1295355"/>
-          </a:xfrm>
-          <a:prstGeom prst="rect">
-            <a:avLst/>
-          </a:prstGeom>
-          <a:noFill/>
-        </p:spPr>
-        <p:txBody>
-          <a:bodyPr wrap="square" rtlCol="0">
-            <a:spAutoFit/>
-          </a:bodyPr>
-          <a:lstStyle/>
-          <a:p>
-            <a:pPr marL="342900" indent="-342900">
-              <a:lnSpc>
-                <a:spcPct val="125000"/>
-              </a:lnSpc>
-              <a:buAutoNum type="arabicPeriod"/>
-            </a:pPr>
-            <a:r>
-              <a:rPr lang="zh-CN" altLang="en-US" sz="1600" b="1" dirty="0">
-                <a:solidFill>
-                  <a:schemeClr val="tx2">
-                    <a:lumMod val="75000"/>
-                  </a:schemeClr>
-                </a:solidFill>
-                <a:latin typeface="微软雅黑" panose="020B0503020204020204" pitchFamily="34" charset="-122"/>
-                <a:ea typeface="微软雅黑" panose="020B0503020204020204" pitchFamily="34" charset="-122"/>
-              </a:rPr>
-              <a:t>寄存器访问冲突：没找到对应逻辑</a:t>
-            </a:r>
-            <a:endParaRPr lang="en-US" altLang="zh-CN" sz="1600" b="1" dirty="0">
-              <a:solidFill>
-                <a:schemeClr val="tx2">
-                  <a:lumMod val="75000"/>
-                </a:schemeClr>
-              </a:solidFill>
-              <a:latin typeface="微软雅黑" panose="020B0503020204020204" pitchFamily="34" charset="-122"/>
-              <a:ea typeface="微软雅黑" panose="020B0503020204020204" pitchFamily="34" charset="-122"/>
-            </a:endParaRPr>
-          </a:p>
-          <a:p>
-            <a:pPr marL="342900" indent="-342900">
-              <a:lnSpc>
-                <a:spcPct val="125000"/>
-              </a:lnSpc>
-              <a:buAutoNum type="arabicPeriod"/>
-            </a:pPr>
-            <a:r>
-              <a:rPr lang="zh-CN" altLang="en-US" sz="1600" b="1" dirty="0">
-                <a:solidFill>
-                  <a:schemeClr val="tx2">
-                    <a:lumMod val="75000"/>
-                  </a:schemeClr>
-                </a:solidFill>
-                <a:latin typeface="微软雅黑" panose="020B0503020204020204" pitchFamily="34" charset="-122"/>
-                <a:ea typeface="微软雅黑" panose="020B0503020204020204" pitchFamily="34" charset="-122"/>
-              </a:rPr>
-              <a:t>访存地址计算：应该是在访存流水线里，例如</a:t>
-            </a:r>
-            <a:r>
-              <a:rPr lang="en-US" altLang="zh-CN" sz="1600" b="1" dirty="0">
-                <a:solidFill>
-                  <a:schemeClr val="tx2">
-                    <a:lumMod val="75000"/>
-                  </a:schemeClr>
-                </a:solidFill>
-                <a:latin typeface="微软雅黑" panose="020B0503020204020204" pitchFamily="34" charset="-122"/>
-                <a:ea typeface="微软雅黑" panose="020B0503020204020204" pitchFamily="34" charset="-122"/>
-              </a:rPr>
-              <a:t>WF-A</a:t>
-            </a:r>
-            <a:r>
-              <a:rPr lang="zh-CN" altLang="en-US" sz="1600" b="1" dirty="0">
-                <a:solidFill>
-                  <a:schemeClr val="tx2">
-                    <a:lumMod val="75000"/>
-                  </a:schemeClr>
-                </a:solidFill>
-                <a:latin typeface="微软雅黑" panose="020B0503020204020204" pitchFamily="34" charset="-122"/>
-                <a:ea typeface="微软雅黑" panose="020B0503020204020204" pitchFamily="34" charset="-122"/>
-              </a:rPr>
-              <a:t>的计算指令可能和</a:t>
-            </a:r>
-            <a:r>
-              <a:rPr lang="en-US" altLang="zh-CN" sz="1600" b="1" dirty="0">
-                <a:solidFill>
-                  <a:schemeClr val="tx2">
-                    <a:lumMod val="75000"/>
-                  </a:schemeClr>
-                </a:solidFill>
-                <a:latin typeface="微软雅黑" panose="020B0503020204020204" pitchFamily="34" charset="-122"/>
-                <a:ea typeface="微软雅黑" panose="020B0503020204020204" pitchFamily="34" charset="-122"/>
-              </a:rPr>
-              <a:t>WF-B</a:t>
-            </a:r>
-            <a:r>
-              <a:rPr lang="zh-CN" altLang="en-US" sz="1600" b="1" dirty="0">
-                <a:solidFill>
-                  <a:schemeClr val="tx2">
-                    <a:lumMod val="75000"/>
-                  </a:schemeClr>
-                </a:solidFill>
-                <a:latin typeface="微软雅黑" panose="020B0503020204020204" pitchFamily="34" charset="-122"/>
-                <a:ea typeface="微软雅黑" panose="020B0503020204020204" pitchFamily="34" charset="-122"/>
-              </a:rPr>
-              <a:t>的访存指令交叠执行</a:t>
-            </a:r>
-            <a:r>
-              <a:rPr lang="en-US" altLang="zh-CN" sz="1600" b="1" dirty="0">
-                <a:solidFill>
-                  <a:schemeClr val="tx2">
-                    <a:lumMod val="75000"/>
-                  </a:schemeClr>
-                </a:solidFill>
-                <a:latin typeface="微软雅黑" panose="020B0503020204020204" pitchFamily="34" charset="-122"/>
-                <a:ea typeface="微软雅黑" panose="020B0503020204020204" pitchFamily="34" charset="-122"/>
-              </a:rPr>
-              <a:t>(</a:t>
-            </a:r>
-            <a:r>
-              <a:rPr lang="zh-CN" altLang="en-US" sz="1600" b="1" dirty="0">
-                <a:solidFill>
-                  <a:schemeClr val="tx2">
-                    <a:lumMod val="75000"/>
-                  </a:schemeClr>
-                </a:solidFill>
-                <a:latin typeface="微软雅黑" panose="020B0503020204020204" pitchFamily="34" charset="-122"/>
-                <a:ea typeface="微软雅黑" panose="020B0503020204020204" pitchFamily="34" charset="-122"/>
-              </a:rPr>
-              <a:t>都属于</a:t>
-            </a:r>
-            <a:r>
-              <a:rPr lang="en-US" altLang="zh-CN" sz="1600" b="1" dirty="0">
-                <a:solidFill>
-                  <a:schemeClr val="tx2">
-                    <a:lumMod val="75000"/>
-                  </a:schemeClr>
-                </a:solidFill>
-                <a:latin typeface="微软雅黑" panose="020B0503020204020204" pitchFamily="34" charset="-122"/>
-                <a:ea typeface="微软雅黑" panose="020B0503020204020204" pitchFamily="34" charset="-122"/>
-              </a:rPr>
-              <a:t>SIMD-0)</a:t>
-            </a:r>
-          </a:p>
-          <a:p>
-            <a:pPr marL="342900" indent="-342900">
-              <a:lnSpc>
-                <a:spcPct val="125000"/>
-              </a:lnSpc>
-              <a:buAutoNum type="arabicPeriod"/>
-            </a:pPr>
-            <a:r>
-              <a:rPr lang="en-US" altLang="zh-CN" sz="1600" b="1" dirty="0">
-                <a:solidFill>
-                  <a:schemeClr val="tx2">
-                    <a:lumMod val="75000"/>
-                  </a:schemeClr>
-                </a:solidFill>
-                <a:latin typeface="微软雅黑" panose="020B0503020204020204" pitchFamily="34" charset="-122"/>
-                <a:ea typeface="微软雅黑" panose="020B0503020204020204" pitchFamily="34" charset="-122"/>
-              </a:rPr>
-              <a:t>Cache</a:t>
-            </a:r>
-            <a:r>
-              <a:rPr lang="zh-CN" altLang="en-US" sz="1600" b="1" dirty="0">
-                <a:solidFill>
-                  <a:schemeClr val="tx2">
-                    <a:lumMod val="75000"/>
-                  </a:schemeClr>
-                </a:solidFill>
-                <a:latin typeface="微软雅黑" panose="020B0503020204020204" pitchFamily="34" charset="-122"/>
-                <a:ea typeface="微软雅黑" panose="020B0503020204020204" pitchFamily="34" charset="-122"/>
-              </a:rPr>
-              <a:t>访问拍数：</a:t>
-            </a:r>
-            <a:r>
-              <a:rPr lang="en-US" altLang="zh-CN" sz="1600" b="1" dirty="0">
-                <a:solidFill>
-                  <a:schemeClr val="tx2">
-                    <a:lumMod val="75000"/>
-                  </a:schemeClr>
-                </a:solidFill>
-                <a:latin typeface="微软雅黑" panose="020B0503020204020204" pitchFamily="34" charset="-122"/>
-                <a:ea typeface="微软雅黑" panose="020B0503020204020204" pitchFamily="34" charset="-122"/>
-              </a:rPr>
-              <a:t>scalar</a:t>
-            </a:r>
-            <a:r>
-              <a:rPr lang="zh-CN" altLang="en-US" sz="1600" b="1" dirty="0">
-                <a:solidFill>
-                  <a:schemeClr val="tx2">
-                    <a:lumMod val="75000"/>
-                  </a:schemeClr>
-                </a:solidFill>
-                <a:latin typeface="微软雅黑" panose="020B0503020204020204" pitchFamily="34" charset="-122"/>
-                <a:ea typeface="微软雅黑" panose="020B0503020204020204" pitchFamily="34" charset="-122"/>
-              </a:rPr>
-              <a:t>用的这个</a:t>
-            </a:r>
-            <a:r>
-              <a:rPr lang="en-US" altLang="zh-CN" sz="1600" b="1" dirty="0" err="1">
-                <a:solidFill>
-                  <a:schemeClr val="tx2">
-                    <a:lumMod val="75000"/>
-                  </a:schemeClr>
-                </a:solidFill>
-                <a:latin typeface="微软雅黑" panose="020B0503020204020204" pitchFamily="34" charset="-122"/>
-                <a:ea typeface="微软雅黑" panose="020B0503020204020204" pitchFamily="34" charset="-122"/>
-              </a:rPr>
-              <a:t>scalar_req_tick_latency</a:t>
-            </a:r>
-            <a:r>
-              <a:rPr lang="zh-CN" altLang="en-US" sz="1600" b="1" dirty="0">
-                <a:solidFill>
-                  <a:schemeClr val="tx2">
-                    <a:lumMod val="75000"/>
-                  </a:schemeClr>
-                </a:solidFill>
-                <a:latin typeface="微软雅黑" panose="020B0503020204020204" pitchFamily="34" charset="-122"/>
-                <a:ea typeface="微软雅黑" panose="020B0503020204020204" pitchFamily="34" charset="-122"/>
-              </a:rPr>
-              <a:t> </a:t>
-            </a:r>
-            <a:r>
-              <a:rPr lang="en-US" altLang="zh-CN" sz="1600" b="1" dirty="0" err="1">
-                <a:solidFill>
-                  <a:schemeClr val="tx2">
-                    <a:lumMod val="75000"/>
-                  </a:schemeClr>
-                </a:solidFill>
-                <a:latin typeface="微软雅黑" panose="020B0503020204020204" pitchFamily="34" charset="-122"/>
-                <a:ea typeface="微软雅黑" panose="020B0503020204020204" pitchFamily="34" charset="-122"/>
-              </a:rPr>
-              <a:t>tcp</a:t>
-            </a:r>
-            <a:r>
-              <a:rPr lang="zh-CN" altLang="en-US" sz="1600" b="1" dirty="0">
-                <a:solidFill>
-                  <a:schemeClr val="tx2">
-                    <a:lumMod val="75000"/>
-                  </a:schemeClr>
-                </a:solidFill>
-                <a:latin typeface="微软雅黑" panose="020B0503020204020204" pitchFamily="34" charset="-122"/>
-                <a:ea typeface="微软雅黑" panose="020B0503020204020204" pitchFamily="34" charset="-122"/>
-              </a:rPr>
-              <a:t>用的这个</a:t>
-            </a:r>
-            <a:r>
-              <a:rPr lang="en-US" altLang="zh-CN" sz="1600" b="1" dirty="0" err="1">
-                <a:solidFill>
-                  <a:schemeClr val="tx2">
-                    <a:lumMod val="75000"/>
-                  </a:schemeClr>
-                </a:solidFill>
-                <a:latin typeface="微软雅黑" panose="020B0503020204020204" pitchFamily="34" charset="-122"/>
-                <a:ea typeface="微软雅黑" panose="020B0503020204020204" pitchFamily="34" charset="-122"/>
-              </a:rPr>
-              <a:t>resp_tick_latency</a:t>
-            </a:r>
-            <a:endParaRPr lang="en-US" altLang="zh-CN" sz="1600" b="1" dirty="0">
-              <a:solidFill>
-                <a:schemeClr val="tx2">
-                  <a:lumMod val="75000"/>
-                </a:schemeClr>
-              </a:solidFill>
-              <a:latin typeface="微软雅黑" panose="020B0503020204020204" pitchFamily="34" charset="-122"/>
-              <a:ea typeface="微软雅黑" panose="020B0503020204020204" pitchFamily="34" charset="-122"/>
-            </a:endParaRPr>
-          </a:p>
-          <a:p>
-            <a:pPr marL="342900" indent="-342900">
-              <a:lnSpc>
-                <a:spcPct val="125000"/>
-              </a:lnSpc>
-              <a:buAutoNum type="arabicPeriod"/>
-            </a:pPr>
-            <a:r>
-              <a:rPr lang="zh-CN" altLang="en-US" sz="1600" b="1" dirty="0">
-                <a:solidFill>
-                  <a:schemeClr val="tx2">
-                    <a:lumMod val="75000"/>
-                  </a:schemeClr>
-                </a:solidFill>
-                <a:latin typeface="微软雅黑" panose="020B0503020204020204" pitchFamily="34" charset="-122"/>
-                <a:ea typeface="微软雅黑" panose="020B0503020204020204" pitchFamily="34" charset="-122"/>
-              </a:rPr>
-              <a:t>访存资源相关：具体的参数</a:t>
-            </a:r>
-            <a:endParaRPr lang="en-US" altLang="zh-CN" sz="1600" b="1" dirty="0">
-              <a:solidFill>
-                <a:schemeClr val="tx2">
-                  <a:lumMod val="75000"/>
-                </a:schemeClr>
-              </a:solidFill>
-              <a:latin typeface="微软雅黑" panose="020B0503020204020204" pitchFamily="34" charset="-122"/>
-              <a:ea typeface="微软雅黑" panose="020B0503020204020204" pitchFamily="34" charset="-122"/>
-            </a:endParaRPr>
-          </a:p>
-        </p:txBody>
-      </p:sp>
-      <p:sp>
-        <p:nvSpPr>
-          <p:cNvPr id="10" name="文本框 9">
-            <a:extLst>
-              <a:ext uri="{FF2B5EF4-FFF2-40B4-BE49-F238E27FC236}">
-                <a16:creationId xmlns:a16="http://schemas.microsoft.com/office/drawing/2014/main" id="{0108706A-553B-9F03-543F-727D784276BD}"/>
-              </a:ext>
-            </a:extLst>
-          </p:cNvPr>
-          <p:cNvSpPr txBox="1"/>
-          <p:nvPr/>
-        </p:nvSpPr>
-        <p:spPr>
-          <a:xfrm>
-            <a:off x="4936068" y="545142"/>
-            <a:ext cx="1778000" cy="511807"/>
-          </a:xfrm>
-          <a:prstGeom prst="rect">
-            <a:avLst/>
-          </a:prstGeom>
-          <a:noFill/>
-        </p:spPr>
-        <p:txBody>
-          <a:bodyPr wrap="square" rtlCol="0">
-            <a:spAutoFit/>
-          </a:bodyPr>
-          <a:lstStyle/>
-          <a:p>
-            <a:pPr>
-              <a:lnSpc>
-                <a:spcPct val="125000"/>
-              </a:lnSpc>
-            </a:pPr>
-            <a:r>
-              <a:rPr lang="zh-CN" altLang="en-US" sz="2400" b="1" dirty="0">
-                <a:solidFill>
-                  <a:schemeClr val="tx2">
-                    <a:lumMod val="75000"/>
-                  </a:schemeClr>
-                </a:solidFill>
-                <a:latin typeface="微软雅黑" panose="020B0503020204020204" pitchFamily="34" charset="-122"/>
-                <a:ea typeface="微软雅黑" panose="020B0503020204020204" pitchFamily="34" charset="-122"/>
-              </a:rPr>
-              <a:t>遗留的问题</a:t>
-            </a:r>
-            <a:endParaRPr lang="en-US" altLang="zh-CN" sz="2400" b="1" dirty="0">
-              <a:solidFill>
-                <a:schemeClr val="tx2">
-                  <a:lumMod val="75000"/>
-                </a:schemeClr>
-              </a:solidFill>
-              <a:latin typeface="微软雅黑" panose="020B0503020204020204" pitchFamily="34" charset="-122"/>
-              <a:ea typeface="微软雅黑" panose="020B0503020204020204" pitchFamily="34" charset="-122"/>
-            </a:endParaRPr>
-          </a:p>
-        </p:txBody>
-      </p:sp>
-      <p:pic>
-        <p:nvPicPr>
-          <p:cNvPr id="15" name="图片 14">
-            <a:extLst>
-              <a:ext uri="{FF2B5EF4-FFF2-40B4-BE49-F238E27FC236}">
-                <a16:creationId xmlns:a16="http://schemas.microsoft.com/office/drawing/2014/main" id="{0290F2C0-C087-C5B6-77DE-156C6A4B4298}"/>
-              </a:ext>
-            </a:extLst>
-          </p:cNvPr>
-          <p:cNvPicPr>
-            <a:picLocks noChangeAspect="1"/>
-          </p:cNvPicPr>
-          <p:nvPr/>
-        </p:nvPicPr>
-        <p:blipFill>
-          <a:blip r:embed="rId4"/>
-          <a:stretch>
-            <a:fillRect/>
-          </a:stretch>
-        </p:blipFill>
-        <p:spPr>
-          <a:xfrm>
-            <a:off x="4992923" y="2365071"/>
-            <a:ext cx="6458851" cy="3562847"/>
-          </a:xfrm>
-          <a:prstGeom prst="rect">
-            <a:avLst/>
-          </a:prstGeom>
-        </p:spPr>
-      </p:pic>
-    </p:spTree>
-    <p:extLst>
-      <p:ext uri="{BB962C8B-B14F-4D97-AF65-F5344CB8AC3E}">
-        <p14:creationId xmlns:p14="http://schemas.microsoft.com/office/powerpoint/2010/main" val="2768228803"/>
-      </p:ext>
-    </p:extLst>
-  </p:cSld>
-  <p:clrMapOvr>
-    <a:masterClrMapping/>
-  </p:clrMapOvr>
-</p:sld>
-</file>
-
-<file path=ppt/slides/slide11.xml><?xml version="1.0" encoding="utf-8"?>
-<p:sld xmlns:a="http://schemas.openxmlformats.org/drawingml/2006/main" xmlns:r="http://schemas.openxmlformats.org/officeDocument/2006/relationships" xmlns:p="http://schemas.openxmlformats.org/presentationml/2006/main" show="0">
-  <p:cSld>
-    <p:spTree>
-      <p:nvGrpSpPr>
-        <p:cNvPr id="1" name="">
-          <a:extLst>
-            <a:ext uri="{FF2B5EF4-FFF2-40B4-BE49-F238E27FC236}">
-              <a16:creationId xmlns:a16="http://schemas.microsoft.com/office/drawing/2014/main" id="{97DB7095-1A2F-D88B-6D7D-0E18B3FDF9A7}"/>
-            </a:ext>
-          </a:extLst>
-        </p:cNvPr>
-        <p:cNvGrpSpPr/>
-        <p:nvPr/>
-      </p:nvGrpSpPr>
-      <p:grpSpPr>
-        <a:xfrm>
-          <a:off x="0" y="0"/>
-          <a:ext cx="0" cy="0"/>
-          <a:chOff x="0" y="0"/>
-          <a:chExt cx="0" cy="0"/>
-        </a:xfrm>
-      </p:grpSpPr>
-      <p:pic>
-        <p:nvPicPr>
-          <p:cNvPr id="4" name="Picture 2" descr="哈工大物联网智慧校园设计方案_Lighton（来同）品牌">
-            <a:extLst>
-              <a:ext uri="{FF2B5EF4-FFF2-40B4-BE49-F238E27FC236}">
-                <a16:creationId xmlns:a16="http://schemas.microsoft.com/office/drawing/2014/main" id="{424BC410-4112-30E8-BE6B-7F389D5941DE}"/>
-              </a:ext>
-            </a:extLst>
-          </p:cNvPr>
-          <p:cNvPicPr>
-            <a:picLocks noChangeAspect="1" noChangeArrowheads="1"/>
-          </p:cNvPicPr>
-          <p:nvPr/>
-        </p:nvPicPr>
-        <p:blipFill rotWithShape="1">
-          <a:blip r:embed="rId3">
-            <a:extLst>
-              <a:ext uri="{28A0092B-C50C-407E-A947-70E740481C1C}">
-                <a14:useLocalDpi xmlns:a14="http://schemas.microsoft.com/office/drawing/2010/main" val="0"/>
-              </a:ext>
-            </a:extLst>
-          </a:blip>
-          <a:srcRect l="127" t="3204" r="-127" b="6070"/>
-          <a:stretch>
-            <a:fillRect/>
-          </a:stretch>
-        </p:blipFill>
-        <p:spPr bwMode="auto">
-          <a:xfrm>
-            <a:off x="1" y="0"/>
-            <a:ext cx="12192000" cy="6858000"/>
-          </a:xfrm>
-          <a:prstGeom prst="rect">
-            <a:avLst/>
-          </a:prstGeom>
-          <a:noFill/>
-          <a:extLst>
-            <a:ext uri="{909E8E84-426E-40DD-AFC4-6F175D3DCCD1}">
-              <a14:hiddenFill xmlns:a14="http://schemas.microsoft.com/office/drawing/2010/main">
-                <a:solidFill>
-                  <a:srgbClr val="FFFFFF"/>
-                </a:solidFill>
-              </a14:hiddenFill>
-            </a:ext>
-          </a:extLst>
-        </p:spPr>
-      </p:pic>
-      <p:sp>
-        <p:nvSpPr>
-          <p:cNvPr id="5" name="矩形 4">
-            <a:extLst>
-              <a:ext uri="{FF2B5EF4-FFF2-40B4-BE49-F238E27FC236}">
-                <a16:creationId xmlns:a16="http://schemas.microsoft.com/office/drawing/2014/main" id="{C3A20B03-6F0B-9388-E792-5F499AE6CAC4}"/>
-              </a:ext>
-            </a:extLst>
-          </p:cNvPr>
-          <p:cNvSpPr/>
-          <p:nvPr/>
-        </p:nvSpPr>
-        <p:spPr>
-          <a:xfrm>
-            <a:off x="0" y="0"/>
-            <a:ext cx="12191998" cy="6858000"/>
-          </a:xfrm>
-          <a:prstGeom prst="rect">
-            <a:avLst/>
-          </a:prstGeom>
-          <a:gradFill>
-            <a:gsLst>
-              <a:gs pos="0">
-                <a:schemeClr val="accent1">
-                  <a:lumMod val="5000"/>
-                  <a:lumOff val="95000"/>
-                  <a:alpha val="80000"/>
-                </a:schemeClr>
-              </a:gs>
-              <a:gs pos="34000">
-                <a:srgbClr val="FFFFFF">
-                  <a:alpha val="90000"/>
-                </a:srgbClr>
-              </a:gs>
-              <a:gs pos="68000">
-                <a:srgbClr val="FFFFFF">
-                  <a:alpha val="95000"/>
-                </a:srgbClr>
-              </a:gs>
-              <a:gs pos="100000">
-                <a:srgbClr val="FFFFFF"/>
-              </a:gs>
-            </a:gsLst>
-            <a:lin ang="5400000" scaled="1"/>
-          </a:gradFill>
-          <a:ln>
-            <a:noFill/>
-          </a:ln>
-        </p:spPr>
-        <p:style>
-          <a:lnRef idx="2">
-            <a:schemeClr val="accent1">
-              <a:shade val="15000"/>
-            </a:schemeClr>
-          </a:lnRef>
-          <a:fillRef idx="1">
-            <a:schemeClr val="accent1"/>
-          </a:fillRef>
-          <a:effectRef idx="0">
-            <a:schemeClr val="accent1"/>
-          </a:effectRef>
-          <a:fontRef idx="minor">
-            <a:schemeClr val="lt1"/>
-          </a:fontRef>
-        </p:style>
-        <p:txBody>
-          <a:bodyPr rtlCol="0" anchor="ctr"/>
-          <a:lstStyle/>
-          <a:p>
-            <a:pPr algn="ctr"/>
-            <a:endParaRPr lang="zh-CN" altLang="en-US" dirty="0"/>
-          </a:p>
-        </p:txBody>
-      </p:sp>
-      <p:sp>
-        <p:nvSpPr>
-          <p:cNvPr id="7" name="文本框 6">
-            <a:extLst>
-              <a:ext uri="{FF2B5EF4-FFF2-40B4-BE49-F238E27FC236}">
-                <a16:creationId xmlns:a16="http://schemas.microsoft.com/office/drawing/2014/main" id="{1FF7D808-0C7F-E416-20B5-7E8C02485B43}"/>
-              </a:ext>
-            </a:extLst>
-          </p:cNvPr>
-          <p:cNvSpPr txBox="1"/>
-          <p:nvPr/>
-        </p:nvSpPr>
-        <p:spPr>
-          <a:xfrm>
-            <a:off x="111125" y="122578"/>
-            <a:ext cx="6959600" cy="523220"/>
-          </a:xfrm>
-          <a:prstGeom prst="rect">
-            <a:avLst/>
-          </a:prstGeom>
-          <a:noFill/>
-        </p:spPr>
-        <p:txBody>
-          <a:bodyPr wrap="square" rtlCol="0">
-            <a:spAutoFit/>
-          </a:bodyPr>
-          <a:lstStyle/>
-          <a:p>
-            <a:r>
-              <a:rPr lang="en-US" altLang="zh-CN" sz="2800" b="1" dirty="0">
-                <a:solidFill>
-                  <a:schemeClr val="tx2">
-                    <a:lumMod val="75000"/>
-                  </a:schemeClr>
-                </a:solidFill>
-                <a:latin typeface="微软雅黑" panose="020B0503020204020204" pitchFamily="34" charset="-122"/>
-                <a:ea typeface="微软雅黑" panose="020B0503020204020204" pitchFamily="34" charset="-122"/>
-              </a:rPr>
-              <a:t>02  </a:t>
-            </a:r>
-            <a:r>
-              <a:rPr lang="zh-CN" altLang="en-US" sz="2800" b="1" dirty="0">
-                <a:solidFill>
-                  <a:schemeClr val="tx2">
-                    <a:lumMod val="75000"/>
-                  </a:schemeClr>
-                </a:solidFill>
-                <a:latin typeface="微软雅黑" panose="020B0503020204020204" pitchFamily="34" charset="-122"/>
-                <a:ea typeface="微软雅黑" panose="020B0503020204020204" pitchFamily="34" charset="-122"/>
-              </a:rPr>
-              <a:t>访存流水线</a:t>
-            </a:r>
-            <a:endParaRPr lang="en-US" altLang="zh-CN" sz="2800" b="1" dirty="0">
-              <a:solidFill>
-                <a:schemeClr val="tx2">
-                  <a:lumMod val="75000"/>
-                </a:schemeClr>
-              </a:solidFill>
-              <a:latin typeface="微软雅黑" panose="020B0503020204020204" pitchFamily="34" charset="-122"/>
-              <a:ea typeface="微软雅黑" panose="020B0503020204020204" pitchFamily="34" charset="-122"/>
-            </a:endParaRPr>
-          </a:p>
-        </p:txBody>
-      </p:sp>
-      <p:grpSp>
-        <p:nvGrpSpPr>
-          <p:cNvPr id="2" name="组合 1">
-            <a:extLst>
-              <a:ext uri="{FF2B5EF4-FFF2-40B4-BE49-F238E27FC236}">
-                <a16:creationId xmlns:a16="http://schemas.microsoft.com/office/drawing/2014/main" id="{F3301070-ACC3-C35B-688B-F411CF219CF0}"/>
-              </a:ext>
-            </a:extLst>
-          </p:cNvPr>
-          <p:cNvGrpSpPr/>
-          <p:nvPr/>
-        </p:nvGrpSpPr>
-        <p:grpSpPr>
-          <a:xfrm>
-            <a:off x="4936155" y="1698159"/>
-            <a:ext cx="2319688" cy="1925053"/>
-            <a:chOff x="5554478" y="1503947"/>
-            <a:chExt cx="2319688" cy="1925053"/>
-          </a:xfrm>
-        </p:grpSpPr>
-        <p:grpSp>
-          <p:nvGrpSpPr>
-            <p:cNvPr id="10" name="组合 9">
-              <a:extLst>
-                <a:ext uri="{FF2B5EF4-FFF2-40B4-BE49-F238E27FC236}">
-                  <a16:creationId xmlns:a16="http://schemas.microsoft.com/office/drawing/2014/main" id="{695564A6-0808-C808-F3B9-D928E93C7111}"/>
-                </a:ext>
-              </a:extLst>
-            </p:cNvPr>
-            <p:cNvGrpSpPr/>
-            <p:nvPr/>
-          </p:nvGrpSpPr>
-          <p:grpSpPr>
-            <a:xfrm>
-              <a:off x="5910613" y="1503947"/>
-              <a:ext cx="1963553" cy="1925053"/>
-              <a:chOff x="750771" y="2926080"/>
-              <a:chExt cx="1963553" cy="1925053"/>
-            </a:xfrm>
-            <a:noFill/>
-          </p:grpSpPr>
-          <p:sp>
-            <p:nvSpPr>
-              <p:cNvPr id="11" name="矩形 10">
-                <a:extLst>
-                  <a:ext uri="{FF2B5EF4-FFF2-40B4-BE49-F238E27FC236}">
-                    <a16:creationId xmlns:a16="http://schemas.microsoft.com/office/drawing/2014/main" id="{612C990D-DAA6-84F3-6A39-632178EE13D5}"/>
-                  </a:ext>
-                </a:extLst>
-              </p:cNvPr>
-              <p:cNvSpPr/>
-              <p:nvPr/>
-            </p:nvSpPr>
-            <p:spPr>
-              <a:xfrm>
-                <a:off x="750771" y="2926080"/>
-                <a:ext cx="1607418" cy="1925053"/>
-              </a:xfrm>
-              <a:prstGeom prst="rect">
-                <a:avLst/>
-              </a:prstGeom>
-              <a:grpFill/>
-              <a:ln w="28575"/>
-            </p:spPr>
-            <p:style>
-              <a:lnRef idx="2">
-                <a:schemeClr val="accent1">
-                  <a:shade val="15000"/>
-                </a:schemeClr>
-              </a:lnRef>
-              <a:fillRef idx="1">
-                <a:schemeClr val="accent1"/>
-              </a:fillRef>
-              <a:effectRef idx="0">
-                <a:schemeClr val="accent1"/>
-              </a:effectRef>
-              <a:fontRef idx="minor">
-                <a:schemeClr val="lt1"/>
-              </a:fontRef>
-            </p:style>
-            <p:txBody>
-              <a:bodyPr rtlCol="0" anchor="ctr"/>
-              <a:lstStyle/>
-              <a:p>
-                <a:pPr algn="ctr"/>
-                <a:r>
-                  <a:rPr lang="en-US" altLang="zh-CN" sz="2000" b="1" dirty="0">
-                    <a:solidFill>
-                      <a:schemeClr val="tx2">
-                        <a:lumMod val="75000"/>
-                      </a:schemeClr>
-                    </a:solidFill>
-                  </a:rPr>
-                  <a:t>Mc</a:t>
-                </a:r>
-                <a:endParaRPr lang="zh-CN" altLang="en-US" sz="2000" b="1" dirty="0">
-                  <a:solidFill>
-                    <a:schemeClr val="tx2">
-                      <a:lumMod val="75000"/>
-                    </a:schemeClr>
-                  </a:solidFill>
-                </a:endParaRPr>
-              </a:p>
-            </p:txBody>
-          </p:sp>
-          <p:sp>
-            <p:nvSpPr>
-              <p:cNvPr id="12" name="矩形 11">
-                <a:extLst>
-                  <a:ext uri="{FF2B5EF4-FFF2-40B4-BE49-F238E27FC236}">
-                    <a16:creationId xmlns:a16="http://schemas.microsoft.com/office/drawing/2014/main" id="{CAA8B840-905F-45CE-B94A-B5EECAF18413}"/>
-                  </a:ext>
-                </a:extLst>
-              </p:cNvPr>
-              <p:cNvSpPr/>
-              <p:nvPr/>
-            </p:nvSpPr>
-            <p:spPr>
-              <a:xfrm>
-                <a:off x="2358189" y="2926080"/>
-                <a:ext cx="356135" cy="1925053"/>
-              </a:xfrm>
-              <a:prstGeom prst="rect">
-                <a:avLst/>
-              </a:prstGeom>
-              <a:solidFill>
-                <a:schemeClr val="tx1"/>
-              </a:solidFill>
-              <a:ln w="28575"/>
-            </p:spPr>
-            <p:style>
-              <a:lnRef idx="2">
-                <a:schemeClr val="accent1">
-                  <a:shade val="15000"/>
-                </a:schemeClr>
-              </a:lnRef>
-              <a:fillRef idx="1">
-                <a:schemeClr val="accent1"/>
-              </a:fillRef>
-              <a:effectRef idx="0">
-                <a:schemeClr val="accent1"/>
-              </a:effectRef>
-              <a:fontRef idx="minor">
-                <a:schemeClr val="lt1"/>
-              </a:fontRef>
-            </p:style>
-            <p:txBody>
-              <a:bodyPr rtlCol="0" anchor="ctr"/>
-              <a:lstStyle/>
-              <a:p>
-                <a:pPr algn="ctr"/>
-                <a:endParaRPr lang="zh-CN" altLang="en-US" sz="2000" b="1">
-                  <a:solidFill>
-                    <a:schemeClr val="tx2">
-                      <a:lumMod val="75000"/>
-                    </a:schemeClr>
-                  </a:solidFill>
-                </a:endParaRPr>
-              </a:p>
-            </p:txBody>
-          </p:sp>
-        </p:grpSp>
-        <p:sp>
-          <p:nvSpPr>
-            <p:cNvPr id="16" name="矩形 15">
-              <a:extLst>
-                <a:ext uri="{FF2B5EF4-FFF2-40B4-BE49-F238E27FC236}">
-                  <a16:creationId xmlns:a16="http://schemas.microsoft.com/office/drawing/2014/main" id="{5ADF8D1A-DCCB-8D1F-D2C3-622DE8A6358F}"/>
-                </a:ext>
-              </a:extLst>
-            </p:cNvPr>
-            <p:cNvSpPr/>
-            <p:nvPr/>
-          </p:nvSpPr>
-          <p:spPr>
-            <a:xfrm>
-              <a:off x="5554478" y="1503947"/>
-              <a:ext cx="356135" cy="1925053"/>
-            </a:xfrm>
-            <a:prstGeom prst="rect">
-              <a:avLst/>
-            </a:prstGeom>
-            <a:solidFill>
-              <a:schemeClr val="tx1"/>
-            </a:solidFill>
-            <a:ln w="28575"/>
-          </p:spPr>
-          <p:style>
-            <a:lnRef idx="2">
-              <a:schemeClr val="accent1">
-                <a:shade val="15000"/>
-              </a:schemeClr>
-            </a:lnRef>
-            <a:fillRef idx="1">
-              <a:schemeClr val="accent1"/>
-            </a:fillRef>
-            <a:effectRef idx="0">
-              <a:schemeClr val="accent1"/>
-            </a:effectRef>
-            <a:fontRef idx="minor">
-              <a:schemeClr val="lt1"/>
-            </a:fontRef>
-          </p:style>
-          <p:txBody>
-            <a:bodyPr rtlCol="0" anchor="ctr"/>
-            <a:lstStyle/>
-            <a:p>
-              <a:pPr algn="ctr"/>
-              <a:endParaRPr lang="zh-CN" altLang="en-US" sz="2000" b="1">
-                <a:solidFill>
-                  <a:schemeClr val="tx2">
-                    <a:lumMod val="75000"/>
-                  </a:schemeClr>
-                </a:solidFill>
-              </a:endParaRPr>
-            </a:p>
-          </p:txBody>
-        </p:sp>
-      </p:grpSp>
-      <p:sp>
-        <p:nvSpPr>
-          <p:cNvPr id="24" name="文本框 23">
-            <a:extLst>
-              <a:ext uri="{FF2B5EF4-FFF2-40B4-BE49-F238E27FC236}">
-                <a16:creationId xmlns:a16="http://schemas.microsoft.com/office/drawing/2014/main" id="{85560241-029B-81A7-6F64-8637699B37AB}"/>
-              </a:ext>
-            </a:extLst>
-          </p:cNvPr>
-          <p:cNvSpPr txBox="1"/>
-          <p:nvPr/>
-        </p:nvSpPr>
-        <p:spPr>
-          <a:xfrm>
-            <a:off x="1000272" y="1625885"/>
-            <a:ext cx="4170381" cy="3869457"/>
-          </a:xfrm>
-          <a:prstGeom prst="rect">
-            <a:avLst/>
-          </a:prstGeom>
-          <a:noFill/>
-        </p:spPr>
-        <p:txBody>
-          <a:bodyPr wrap="square" rtlCol="0">
-            <a:spAutoFit/>
-          </a:bodyPr>
-          <a:lstStyle/>
-          <a:p>
-            <a:pPr>
-              <a:lnSpc>
-                <a:spcPct val="125000"/>
-              </a:lnSpc>
-            </a:pPr>
-            <a:r>
-              <a:rPr lang="en-US" altLang="zh-CN" b="1" dirty="0" err="1">
-                <a:solidFill>
-                  <a:schemeClr val="tx2">
-                    <a:lumMod val="75000"/>
-                  </a:schemeClr>
-                </a:solidFill>
-                <a:latin typeface="微软雅黑" panose="020B0503020204020204" pitchFamily="34" charset="-122"/>
-                <a:ea typeface="微软雅黑" panose="020B0503020204020204" pitchFamily="34" charset="-122"/>
-              </a:rPr>
-              <a:t>memPipe:exec</a:t>
-            </a:r>
-            <a:r>
-              <a:rPr lang="zh-CN" altLang="en-US" b="1" dirty="0">
-                <a:solidFill>
-                  <a:schemeClr val="tx2">
-                    <a:lumMod val="75000"/>
-                  </a:schemeClr>
-                </a:solidFill>
-                <a:latin typeface="微软雅黑" panose="020B0503020204020204" pitchFamily="34" charset="-122"/>
-                <a:ea typeface="微软雅黑" panose="020B0503020204020204" pitchFamily="34" charset="-122"/>
-              </a:rPr>
-              <a:t>：</a:t>
-            </a:r>
-            <a:endParaRPr lang="en-US" altLang="zh-CN" b="1" dirty="0">
-              <a:solidFill>
-                <a:schemeClr val="tx2">
-                  <a:lumMod val="75000"/>
-                </a:schemeClr>
-              </a:solidFill>
-              <a:latin typeface="微软雅黑" panose="020B0503020204020204" pitchFamily="34" charset="-122"/>
-              <a:ea typeface="微软雅黑" panose="020B0503020204020204" pitchFamily="34" charset="-122"/>
-            </a:endParaRPr>
-          </a:p>
-          <a:p>
-            <a:pPr marL="342900" indent="-342900">
-              <a:lnSpc>
-                <a:spcPct val="125000"/>
-              </a:lnSpc>
-              <a:buAutoNum type="arabicPeriod"/>
-            </a:pPr>
-            <a:r>
-              <a:rPr lang="zh-CN" altLang="en-US" b="1" dirty="0">
-                <a:solidFill>
-                  <a:schemeClr val="tx2">
-                    <a:lumMod val="75000"/>
-                  </a:schemeClr>
-                </a:solidFill>
-                <a:latin typeface="微软雅黑" panose="020B0503020204020204" pitchFamily="34" charset="-122"/>
-                <a:ea typeface="微软雅黑" panose="020B0503020204020204" pitchFamily="34" charset="-122"/>
-              </a:rPr>
-              <a:t>取</a:t>
-            </a:r>
-            <a:r>
-              <a:rPr lang="zh-CN" altLang="en-US" b="1" dirty="0">
-                <a:solidFill>
-                  <a:srgbClr val="FF0000"/>
-                </a:solidFill>
-                <a:latin typeface="微软雅黑" panose="020B0503020204020204" pitchFamily="34" charset="-122"/>
-                <a:ea typeface="微软雅黑" panose="020B0503020204020204" pitchFamily="34" charset="-122"/>
-              </a:rPr>
-              <a:t>队头</a:t>
-            </a:r>
-            <a:r>
-              <a:rPr lang="zh-CN" altLang="en-US" b="1" dirty="0">
-                <a:solidFill>
-                  <a:schemeClr val="tx2">
-                    <a:lumMod val="75000"/>
-                  </a:schemeClr>
-                </a:solidFill>
-                <a:latin typeface="微软雅黑" panose="020B0503020204020204" pitchFamily="34" charset="-122"/>
-                <a:ea typeface="微软雅黑" panose="020B0503020204020204" pitchFamily="34" charset="-122"/>
-              </a:rPr>
-              <a:t>指令，看是否已完成</a:t>
-            </a:r>
-            <a:endParaRPr lang="en-US" altLang="zh-CN" b="1" dirty="0">
-              <a:solidFill>
-                <a:schemeClr val="tx2">
-                  <a:lumMod val="75000"/>
-                </a:schemeClr>
-              </a:solidFill>
-              <a:latin typeface="微软雅黑" panose="020B0503020204020204" pitchFamily="34" charset="-122"/>
-              <a:ea typeface="微软雅黑" panose="020B0503020204020204" pitchFamily="34" charset="-122"/>
-            </a:endParaRPr>
-          </a:p>
-          <a:p>
-            <a:pPr marL="342900" indent="-342900">
-              <a:lnSpc>
-                <a:spcPct val="125000"/>
-              </a:lnSpc>
-              <a:buAutoNum type="arabicPeriod"/>
-            </a:pPr>
-            <a:r>
-              <a:rPr lang="zh-CN" altLang="en-US" b="1" dirty="0">
-                <a:solidFill>
-                  <a:schemeClr val="tx2">
-                    <a:lumMod val="75000"/>
-                  </a:schemeClr>
-                </a:solidFill>
-                <a:latin typeface="微软雅黑" panose="020B0503020204020204" pitchFamily="34" charset="-122"/>
-                <a:ea typeface="微软雅黑" panose="020B0503020204020204" pitchFamily="34" charset="-122"/>
-              </a:rPr>
-              <a:t>检查资源：</a:t>
-            </a:r>
-            <a:endParaRPr lang="en-US" altLang="zh-CN" b="1" dirty="0">
-              <a:solidFill>
-                <a:schemeClr val="tx2">
-                  <a:lumMod val="75000"/>
-                </a:schemeClr>
-              </a:solidFill>
-              <a:latin typeface="微软雅黑" panose="020B0503020204020204" pitchFamily="34" charset="-122"/>
-              <a:ea typeface="微软雅黑" panose="020B0503020204020204" pitchFamily="34" charset="-122"/>
-            </a:endParaRPr>
-          </a:p>
-          <a:p>
-            <a:pPr marL="800100" lvl="1" indent="-342900">
-              <a:lnSpc>
-                <a:spcPct val="125000"/>
-              </a:lnSpc>
-              <a:buAutoNum type="arabicPeriod"/>
-            </a:pPr>
-            <a:r>
-              <a:rPr lang="en-US" altLang="zh-CN" b="1" dirty="0" err="1">
-                <a:solidFill>
-                  <a:schemeClr val="tx2">
-                    <a:lumMod val="75000"/>
-                  </a:schemeClr>
-                </a:solidFill>
-                <a:latin typeface="微软雅黑" panose="020B0503020204020204" pitchFamily="34" charset="-122"/>
-                <a:ea typeface="微软雅黑" panose="020B0503020204020204" pitchFamily="34" charset="-122"/>
-              </a:rPr>
-              <a:t>memToRf</a:t>
-            </a:r>
-            <a:r>
-              <a:rPr lang="en-US" altLang="zh-CN" b="1" dirty="0">
-                <a:solidFill>
-                  <a:schemeClr val="tx2">
-                    <a:lumMod val="75000"/>
-                  </a:schemeClr>
-                </a:solidFill>
-                <a:latin typeface="微软雅黑" panose="020B0503020204020204" pitchFamily="34" charset="-122"/>
-                <a:ea typeface="微软雅黑" panose="020B0503020204020204" pitchFamily="34" charset="-122"/>
-              </a:rPr>
-              <a:t> Bus</a:t>
-            </a:r>
-          </a:p>
-          <a:p>
-            <a:pPr marL="800100" lvl="1" indent="-342900">
-              <a:lnSpc>
-                <a:spcPct val="125000"/>
-              </a:lnSpc>
-              <a:buAutoNum type="arabicPeriod"/>
-            </a:pPr>
-            <a:r>
-              <a:rPr lang="en-US" altLang="zh-CN" b="1" dirty="0" err="1">
-                <a:solidFill>
-                  <a:schemeClr val="tx2">
-                    <a:lumMod val="75000"/>
-                  </a:schemeClr>
-                </a:solidFill>
-                <a:latin typeface="微软雅黑" panose="020B0503020204020204" pitchFamily="34" charset="-122"/>
-                <a:ea typeface="微软雅黑" panose="020B0503020204020204" pitchFamily="34" charset="-122"/>
-              </a:rPr>
-              <a:t>memUnit</a:t>
-            </a:r>
-            <a:endParaRPr lang="en-US" altLang="zh-CN" b="1" dirty="0">
-              <a:solidFill>
-                <a:schemeClr val="tx2">
-                  <a:lumMod val="75000"/>
-                </a:schemeClr>
-              </a:solidFill>
-              <a:latin typeface="微软雅黑" panose="020B0503020204020204" pitchFamily="34" charset="-122"/>
-              <a:ea typeface="微软雅黑" panose="020B0503020204020204" pitchFamily="34" charset="-122"/>
-            </a:endParaRPr>
-          </a:p>
-          <a:p>
-            <a:pPr marL="342900" indent="-342900">
-              <a:lnSpc>
-                <a:spcPct val="125000"/>
-              </a:lnSpc>
-              <a:buAutoNum type="arabicPeriod" startAt="3"/>
-            </a:pPr>
-            <a:r>
-              <a:rPr lang="zh-CN" altLang="en-US" b="1" dirty="0">
-                <a:solidFill>
-                  <a:schemeClr val="tx2">
-                    <a:lumMod val="75000"/>
-                  </a:schemeClr>
-                </a:solidFill>
-                <a:latin typeface="微软雅黑" panose="020B0503020204020204" pitchFamily="34" charset="-122"/>
-                <a:ea typeface="微软雅黑" panose="020B0503020204020204" pitchFamily="34" charset="-122"/>
-              </a:rPr>
-              <a:t>满足即可：</a:t>
-            </a:r>
-            <a:endParaRPr lang="en-US" altLang="zh-CN" b="1" dirty="0">
-              <a:solidFill>
-                <a:schemeClr val="tx2">
-                  <a:lumMod val="75000"/>
-                </a:schemeClr>
-              </a:solidFill>
-              <a:latin typeface="微软雅黑" panose="020B0503020204020204" pitchFamily="34" charset="-122"/>
-              <a:ea typeface="微软雅黑" panose="020B0503020204020204" pitchFamily="34" charset="-122"/>
-            </a:endParaRPr>
-          </a:p>
-          <a:p>
-            <a:pPr marL="800100" lvl="1" indent="-342900">
-              <a:lnSpc>
-                <a:spcPct val="125000"/>
-              </a:lnSpc>
-              <a:buAutoNum type="arabicPeriod"/>
-            </a:pPr>
-            <a:r>
-              <a:rPr lang="zh-CN" altLang="en-US" b="1" dirty="0">
-                <a:solidFill>
-                  <a:schemeClr val="tx2">
-                    <a:lumMod val="75000"/>
-                  </a:schemeClr>
-                </a:solidFill>
-                <a:latin typeface="微软雅黑" panose="020B0503020204020204" pitchFamily="34" charset="-122"/>
-                <a:ea typeface="微软雅黑" panose="020B0503020204020204" pitchFamily="34" charset="-122"/>
-              </a:rPr>
-              <a:t>调用</a:t>
-            </a:r>
-            <a:r>
-              <a:rPr lang="en-US" altLang="zh-CN" b="1" dirty="0" err="1">
-                <a:solidFill>
-                  <a:schemeClr val="tx2">
-                    <a:lumMod val="75000"/>
-                  </a:schemeClr>
-                </a:solidFill>
-                <a:latin typeface="微软雅黑" panose="020B0503020204020204" pitchFamily="34" charset="-122"/>
-                <a:ea typeface="微软雅黑" panose="020B0503020204020204" pitchFamily="34" charset="-122"/>
-              </a:rPr>
-              <a:t>dynInst:completeAcc</a:t>
-            </a:r>
-            <a:endParaRPr lang="en-US" altLang="zh-CN" b="1" dirty="0">
-              <a:solidFill>
-                <a:schemeClr val="tx2">
-                  <a:lumMod val="75000"/>
-                </a:schemeClr>
-              </a:solidFill>
-              <a:latin typeface="微软雅黑" panose="020B0503020204020204" pitchFamily="34" charset="-122"/>
-              <a:ea typeface="微软雅黑" panose="020B0503020204020204" pitchFamily="34" charset="-122"/>
-            </a:endParaRPr>
-          </a:p>
-          <a:p>
-            <a:pPr marL="800100" lvl="1" indent="-342900">
-              <a:lnSpc>
-                <a:spcPct val="125000"/>
-              </a:lnSpc>
-              <a:buAutoNum type="arabicPeriod"/>
-            </a:pPr>
-            <a:r>
-              <a:rPr lang="zh-CN" altLang="en-US" b="1" dirty="0">
-                <a:solidFill>
-                  <a:schemeClr val="tx2">
-                    <a:lumMod val="75000"/>
-                  </a:schemeClr>
-                </a:solidFill>
-                <a:latin typeface="微软雅黑" panose="020B0503020204020204" pitchFamily="34" charset="-122"/>
-                <a:ea typeface="微软雅黑" panose="020B0503020204020204" pitchFamily="34" charset="-122"/>
-              </a:rPr>
-              <a:t>占用</a:t>
-            </a:r>
-            <a:r>
-              <a:rPr lang="en-US" altLang="zh-CN" b="1" dirty="0">
-                <a:solidFill>
-                  <a:schemeClr val="tx2">
-                    <a:lumMod val="75000"/>
-                  </a:schemeClr>
-                </a:solidFill>
-                <a:latin typeface="微软雅黑" panose="020B0503020204020204" pitchFamily="34" charset="-122"/>
-                <a:ea typeface="微软雅黑" panose="020B0503020204020204" pitchFamily="34" charset="-122"/>
-              </a:rPr>
-              <a:t>Bus</a:t>
-            </a:r>
-          </a:p>
-          <a:p>
-            <a:pPr marL="800100" lvl="1" indent="-342900">
-              <a:lnSpc>
-                <a:spcPct val="125000"/>
-              </a:lnSpc>
-              <a:buAutoNum type="arabicPeriod"/>
-            </a:pPr>
-            <a:r>
-              <a:rPr lang="zh-CN" altLang="en-US" b="1" dirty="0">
-                <a:solidFill>
-                  <a:schemeClr val="tx2">
-                    <a:lumMod val="75000"/>
-                  </a:schemeClr>
-                </a:solidFill>
-                <a:latin typeface="微软雅黑" panose="020B0503020204020204" pitchFamily="34" charset="-122"/>
-                <a:ea typeface="微软雅黑" panose="020B0503020204020204" pitchFamily="34" charset="-122"/>
-              </a:rPr>
-              <a:t>占用</a:t>
-            </a:r>
-            <a:r>
-              <a:rPr lang="en-US" altLang="zh-CN" b="1" dirty="0" err="1">
-                <a:solidFill>
-                  <a:schemeClr val="tx2">
-                    <a:lumMod val="75000"/>
-                  </a:schemeClr>
-                </a:solidFill>
-                <a:latin typeface="微软雅黑" panose="020B0503020204020204" pitchFamily="34" charset="-122"/>
-                <a:ea typeface="微软雅黑" panose="020B0503020204020204" pitchFamily="34" charset="-122"/>
-              </a:rPr>
-              <a:t>memUnit</a:t>
-            </a:r>
-            <a:endParaRPr lang="en-US" altLang="zh-CN" b="1" dirty="0">
-              <a:solidFill>
-                <a:schemeClr val="tx2">
-                  <a:lumMod val="75000"/>
-                </a:schemeClr>
-              </a:solidFill>
-              <a:latin typeface="微软雅黑" panose="020B0503020204020204" pitchFamily="34" charset="-122"/>
-              <a:ea typeface="微软雅黑" panose="020B0503020204020204" pitchFamily="34" charset="-122"/>
-            </a:endParaRPr>
-          </a:p>
-          <a:p>
-            <a:pPr marL="800100" lvl="1" indent="-342900">
-              <a:lnSpc>
-                <a:spcPct val="125000"/>
-              </a:lnSpc>
-              <a:buAutoNum type="arabicPeriod"/>
-            </a:pPr>
-            <a:r>
-              <a:rPr lang="en-US" altLang="zh-CN" b="1" dirty="0">
-                <a:solidFill>
-                  <a:schemeClr val="tx2">
-                    <a:lumMod val="75000"/>
-                  </a:schemeClr>
-                </a:solidFill>
-                <a:latin typeface="微软雅黑" panose="020B0503020204020204" pitchFamily="34" charset="-122"/>
-                <a:ea typeface="微软雅黑" panose="020B0503020204020204" pitchFamily="34" charset="-122"/>
-              </a:rPr>
-              <a:t>inflight--</a:t>
-            </a:r>
-          </a:p>
-          <a:p>
-            <a:pPr marL="342900" indent="-342900">
-              <a:lnSpc>
-                <a:spcPct val="125000"/>
-              </a:lnSpc>
-              <a:buAutoNum type="arabicPeriod"/>
-            </a:pPr>
-            <a:endParaRPr lang="en-US" altLang="zh-CN" b="1" dirty="0">
-              <a:solidFill>
-                <a:schemeClr val="tx2">
-                  <a:lumMod val="75000"/>
-                </a:schemeClr>
-              </a:solidFill>
-              <a:latin typeface="微软雅黑" panose="020B0503020204020204" pitchFamily="34" charset="-122"/>
-              <a:ea typeface="微软雅黑" panose="020B0503020204020204" pitchFamily="34" charset="-122"/>
-            </a:endParaRPr>
-          </a:p>
-        </p:txBody>
-      </p:sp>
-      <p:sp>
-        <p:nvSpPr>
-          <p:cNvPr id="13" name="文本框 12">
-            <a:extLst>
-              <a:ext uri="{FF2B5EF4-FFF2-40B4-BE49-F238E27FC236}">
-                <a16:creationId xmlns:a16="http://schemas.microsoft.com/office/drawing/2014/main" id="{901D430D-589F-E1CF-340C-CD13397B5C92}"/>
-              </a:ext>
-            </a:extLst>
-          </p:cNvPr>
-          <p:cNvSpPr txBox="1"/>
-          <p:nvPr/>
-        </p:nvSpPr>
-        <p:spPr>
-          <a:xfrm>
-            <a:off x="4310513" y="986443"/>
-            <a:ext cx="1607418" cy="606320"/>
-          </a:xfrm>
-          <a:prstGeom prst="rect">
-            <a:avLst/>
-          </a:prstGeom>
-          <a:noFill/>
-        </p:spPr>
-        <p:txBody>
-          <a:bodyPr wrap="square" rtlCol="0">
-            <a:spAutoFit/>
-          </a:bodyPr>
-          <a:lstStyle/>
-          <a:p>
-            <a:pPr algn="ctr">
-              <a:lnSpc>
-                <a:spcPct val="125000"/>
-              </a:lnSpc>
-            </a:pPr>
-            <a:r>
-              <a:rPr lang="en-US" altLang="zh-CN" sz="1400" b="1" dirty="0">
-                <a:solidFill>
-                  <a:srgbClr val="7030A0"/>
-                </a:solidFill>
-                <a:latin typeface="微软雅黑" panose="020B0503020204020204" pitchFamily="34" charset="-122"/>
-                <a:ea typeface="微软雅黑" panose="020B0503020204020204" pitchFamily="34" charset="-122"/>
-              </a:rPr>
-              <a:t>last</a:t>
-            </a:r>
-          </a:p>
-          <a:p>
-            <a:pPr algn="ctr">
-              <a:lnSpc>
-                <a:spcPct val="125000"/>
-              </a:lnSpc>
-            </a:pPr>
-            <a:r>
-              <a:rPr lang="en-US" altLang="zh-CN" sz="1400" b="1" dirty="0" err="1">
-                <a:solidFill>
-                  <a:srgbClr val="7030A0"/>
-                </a:solidFill>
-                <a:latin typeface="微软雅黑" panose="020B0503020204020204" pitchFamily="34" charset="-122"/>
-                <a:ea typeface="微软雅黑" panose="020B0503020204020204" pitchFamily="34" charset="-122"/>
-              </a:rPr>
-              <a:t>cacheRespTick</a:t>
-            </a:r>
-            <a:endParaRPr lang="en-US" altLang="zh-CN" sz="1400" b="1" dirty="0">
-              <a:solidFill>
-                <a:srgbClr val="7030A0"/>
-              </a:solidFill>
-              <a:latin typeface="微软雅黑" panose="020B0503020204020204" pitchFamily="34" charset="-122"/>
-              <a:ea typeface="微软雅黑" panose="020B0503020204020204" pitchFamily="34" charset="-122"/>
-            </a:endParaRPr>
-          </a:p>
-        </p:txBody>
-      </p:sp>
-      <p:sp>
-        <p:nvSpPr>
-          <p:cNvPr id="26" name="文本框 25">
-            <a:extLst>
-              <a:ext uri="{FF2B5EF4-FFF2-40B4-BE49-F238E27FC236}">
-                <a16:creationId xmlns:a16="http://schemas.microsoft.com/office/drawing/2014/main" id="{EFCD6196-3702-B922-F0AE-5C8992DF32E2}"/>
-              </a:ext>
-            </a:extLst>
-          </p:cNvPr>
-          <p:cNvSpPr txBox="1"/>
-          <p:nvPr/>
-        </p:nvSpPr>
-        <p:spPr>
-          <a:xfrm>
-            <a:off x="7716816" y="2202596"/>
-            <a:ext cx="4320956" cy="753220"/>
-          </a:xfrm>
-          <a:prstGeom prst="rect">
-            <a:avLst/>
-          </a:prstGeom>
-          <a:noFill/>
-        </p:spPr>
-        <p:txBody>
-          <a:bodyPr wrap="square" rtlCol="0">
-            <a:spAutoFit/>
-          </a:bodyPr>
-          <a:lstStyle/>
-          <a:p>
-            <a:pPr>
-              <a:lnSpc>
-                <a:spcPct val="125000"/>
-              </a:lnSpc>
-            </a:pPr>
-            <a:r>
-              <a:rPr lang="en-US" altLang="zh-CN" b="1" dirty="0" err="1">
-                <a:solidFill>
-                  <a:schemeClr val="tx2">
-                    <a:lumMod val="75000"/>
-                  </a:schemeClr>
-                </a:solidFill>
-                <a:latin typeface="微软雅黑" panose="020B0503020204020204" pitchFamily="34" charset="-122"/>
-                <a:ea typeface="微软雅黑" panose="020B0503020204020204" pitchFamily="34" charset="-122"/>
-              </a:rPr>
-              <a:t>dynInst:completeAcc</a:t>
-            </a:r>
-            <a:r>
-              <a:rPr lang="en-US" altLang="zh-CN" b="1" dirty="0">
-                <a:solidFill>
-                  <a:schemeClr val="tx2">
-                    <a:lumMod val="75000"/>
-                  </a:schemeClr>
-                </a:solidFill>
-                <a:latin typeface="微软雅黑" panose="020B0503020204020204" pitchFamily="34" charset="-122"/>
-                <a:ea typeface="微软雅黑" panose="020B0503020204020204" pitchFamily="34" charset="-122"/>
-              </a:rPr>
-              <a:t>:</a:t>
-            </a:r>
-          </a:p>
-          <a:p>
-            <a:pPr>
-              <a:lnSpc>
-                <a:spcPct val="125000"/>
-              </a:lnSpc>
-            </a:pPr>
-            <a:r>
-              <a:rPr lang="en-US" altLang="zh-CN" b="1" dirty="0">
-                <a:solidFill>
-                  <a:schemeClr val="tx2">
-                    <a:lumMod val="75000"/>
-                  </a:schemeClr>
-                </a:solidFill>
-                <a:latin typeface="微软雅黑" panose="020B0503020204020204" pitchFamily="34" charset="-122"/>
-                <a:ea typeface="微软雅黑" panose="020B0503020204020204" pitchFamily="34" charset="-122"/>
-              </a:rPr>
-              <a:t>Load</a:t>
-            </a:r>
-            <a:r>
-              <a:rPr lang="zh-CN" altLang="en-US" b="1" dirty="0">
-                <a:solidFill>
-                  <a:schemeClr val="tx2">
-                    <a:lumMod val="75000"/>
-                  </a:schemeClr>
-                </a:solidFill>
-                <a:latin typeface="微软雅黑" panose="020B0503020204020204" pitchFamily="34" charset="-122"/>
-                <a:ea typeface="微软雅黑" panose="020B0503020204020204" pitchFamily="34" charset="-122"/>
-              </a:rPr>
-              <a:t>写通用寄存器，下周期可用</a:t>
-            </a:r>
-            <a:endParaRPr lang="en-US" altLang="zh-CN" b="1" dirty="0">
-              <a:solidFill>
-                <a:schemeClr val="tx2">
-                  <a:lumMod val="75000"/>
-                </a:schemeClr>
-              </a:solidFill>
-              <a:latin typeface="微软雅黑" panose="020B0503020204020204" pitchFamily="34" charset="-122"/>
-              <a:ea typeface="微软雅黑" panose="020B0503020204020204" pitchFamily="34" charset="-122"/>
-            </a:endParaRPr>
-          </a:p>
-        </p:txBody>
-      </p:sp>
-      <p:sp>
-        <p:nvSpPr>
-          <p:cNvPr id="28" name="文本框 27">
-            <a:extLst>
-              <a:ext uri="{FF2B5EF4-FFF2-40B4-BE49-F238E27FC236}">
-                <a16:creationId xmlns:a16="http://schemas.microsoft.com/office/drawing/2014/main" id="{EB765BC8-0934-5229-3156-65A161ADC040}"/>
-              </a:ext>
-            </a:extLst>
-          </p:cNvPr>
-          <p:cNvSpPr txBox="1"/>
-          <p:nvPr/>
-        </p:nvSpPr>
-        <p:spPr>
-          <a:xfrm>
-            <a:off x="6148952" y="986443"/>
-            <a:ext cx="1857646" cy="606320"/>
-          </a:xfrm>
-          <a:prstGeom prst="rect">
-            <a:avLst/>
-          </a:prstGeom>
-          <a:noFill/>
-        </p:spPr>
-        <p:txBody>
-          <a:bodyPr wrap="square" rtlCol="0">
-            <a:spAutoFit/>
-          </a:bodyPr>
-          <a:lstStyle/>
-          <a:p>
-            <a:pPr algn="ctr">
-              <a:lnSpc>
-                <a:spcPct val="125000"/>
-              </a:lnSpc>
-            </a:pPr>
-            <a:r>
-              <a:rPr lang="en-US" altLang="zh-CN" sz="1400" b="1" dirty="0" err="1">
-                <a:solidFill>
-                  <a:srgbClr val="7030A0"/>
-                </a:solidFill>
-                <a:latin typeface="微软雅黑" panose="020B0503020204020204" pitchFamily="34" charset="-122"/>
-                <a:ea typeface="微软雅黑" panose="020B0503020204020204" pitchFamily="34" charset="-122"/>
-              </a:rPr>
-              <a:t>dynInst</a:t>
-            </a:r>
-            <a:r>
-              <a:rPr lang="en-US" altLang="zh-CN" sz="1400" b="1" dirty="0">
-                <a:solidFill>
-                  <a:srgbClr val="7030A0"/>
-                </a:solidFill>
-                <a:latin typeface="微软雅黑" panose="020B0503020204020204" pitchFamily="34" charset="-122"/>
-                <a:ea typeface="微软雅黑" panose="020B0503020204020204" pitchFamily="34" charset="-122"/>
-              </a:rPr>
-              <a:t>:</a:t>
-            </a:r>
-          </a:p>
-          <a:p>
-            <a:pPr algn="ctr">
-              <a:lnSpc>
-                <a:spcPct val="125000"/>
-              </a:lnSpc>
-            </a:pPr>
-            <a:r>
-              <a:rPr lang="en-US" altLang="zh-CN" sz="1400" b="1" dirty="0" err="1">
-                <a:solidFill>
-                  <a:srgbClr val="7030A0"/>
-                </a:solidFill>
-                <a:latin typeface="微软雅黑" panose="020B0503020204020204" pitchFamily="34" charset="-122"/>
-                <a:ea typeface="微软雅黑" panose="020B0503020204020204" pitchFamily="34" charset="-122"/>
-              </a:rPr>
-              <a:t>memCompleteAcc</a:t>
-            </a:r>
-            <a:endParaRPr lang="en-US" altLang="zh-CN" sz="1400" b="1" dirty="0">
-              <a:solidFill>
-                <a:srgbClr val="7030A0"/>
-              </a:solidFill>
-              <a:latin typeface="微软雅黑" panose="020B0503020204020204" pitchFamily="34" charset="-122"/>
-              <a:ea typeface="微软雅黑" panose="020B0503020204020204" pitchFamily="34" charset="-122"/>
-            </a:endParaRPr>
-          </a:p>
-        </p:txBody>
-      </p:sp>
-    </p:spTree>
-    <p:extLst>
-      <p:ext uri="{BB962C8B-B14F-4D97-AF65-F5344CB8AC3E}">
-        <p14:creationId xmlns:p14="http://schemas.microsoft.com/office/powerpoint/2010/main" val="3761463749"/>
-      </p:ext>
-    </p:extLst>
   </p:cSld>
   <p:clrMapOvr>
     <a:masterClrMapping/>
